--- a/Chapter3/Figures/Fig1.pptx
+++ b/Chapter3/Figures/Fig1.pptx
@@ -288,7 +288,7 @@
           <a:p>
             <a:fld id="{712CD3BB-8109-40FC-B009-54E059A88594}" type="datetimeFigureOut">
               <a:rPr lang="en-GB" smtClean="0"/>
-              <a:t>11/06/2014</a:t>
+              <a:t>01/09/2014</a:t>
             </a:fld>
             <a:endParaRPr lang="en-GB"/>
           </a:p>
@@ -458,7 +458,7 @@
           <a:p>
             <a:fld id="{712CD3BB-8109-40FC-B009-54E059A88594}" type="datetimeFigureOut">
               <a:rPr lang="en-GB" smtClean="0"/>
-              <a:t>11/06/2014</a:t>
+              <a:t>01/09/2014</a:t>
             </a:fld>
             <a:endParaRPr lang="en-GB"/>
           </a:p>
@@ -638,7 +638,7 @@
           <a:p>
             <a:fld id="{712CD3BB-8109-40FC-B009-54E059A88594}" type="datetimeFigureOut">
               <a:rPr lang="en-GB" smtClean="0"/>
-              <a:t>11/06/2014</a:t>
+              <a:t>01/09/2014</a:t>
             </a:fld>
             <a:endParaRPr lang="en-GB"/>
           </a:p>
@@ -808,7 +808,7 @@
           <a:p>
             <a:fld id="{712CD3BB-8109-40FC-B009-54E059A88594}" type="datetimeFigureOut">
               <a:rPr lang="en-GB" smtClean="0"/>
-              <a:t>11/06/2014</a:t>
+              <a:t>01/09/2014</a:t>
             </a:fld>
             <a:endParaRPr lang="en-GB"/>
           </a:p>
@@ -1054,7 +1054,7 @@
           <a:p>
             <a:fld id="{712CD3BB-8109-40FC-B009-54E059A88594}" type="datetimeFigureOut">
               <a:rPr lang="en-GB" smtClean="0"/>
-              <a:t>11/06/2014</a:t>
+              <a:t>01/09/2014</a:t>
             </a:fld>
             <a:endParaRPr lang="en-GB"/>
           </a:p>
@@ -1342,7 +1342,7 @@
           <a:p>
             <a:fld id="{712CD3BB-8109-40FC-B009-54E059A88594}" type="datetimeFigureOut">
               <a:rPr lang="en-GB" smtClean="0"/>
-              <a:t>11/06/2014</a:t>
+              <a:t>01/09/2014</a:t>
             </a:fld>
             <a:endParaRPr lang="en-GB"/>
           </a:p>
@@ -1764,7 +1764,7 @@
           <a:p>
             <a:fld id="{712CD3BB-8109-40FC-B009-54E059A88594}" type="datetimeFigureOut">
               <a:rPr lang="en-GB" smtClean="0"/>
-              <a:t>11/06/2014</a:t>
+              <a:t>01/09/2014</a:t>
             </a:fld>
             <a:endParaRPr lang="en-GB"/>
           </a:p>
@@ -1882,7 +1882,7 @@
           <a:p>
             <a:fld id="{712CD3BB-8109-40FC-B009-54E059A88594}" type="datetimeFigureOut">
               <a:rPr lang="en-GB" smtClean="0"/>
-              <a:t>11/06/2014</a:t>
+              <a:t>01/09/2014</a:t>
             </a:fld>
             <a:endParaRPr lang="en-GB"/>
           </a:p>
@@ -1977,7 +1977,7 @@
           <a:p>
             <a:fld id="{712CD3BB-8109-40FC-B009-54E059A88594}" type="datetimeFigureOut">
               <a:rPr lang="en-GB" smtClean="0"/>
-              <a:t>11/06/2014</a:t>
+              <a:t>01/09/2014</a:t>
             </a:fld>
             <a:endParaRPr lang="en-GB"/>
           </a:p>
@@ -2254,7 +2254,7 @@
           <a:p>
             <a:fld id="{712CD3BB-8109-40FC-B009-54E059A88594}" type="datetimeFigureOut">
               <a:rPr lang="en-GB" smtClean="0"/>
-              <a:t>11/06/2014</a:t>
+              <a:t>01/09/2014</a:t>
             </a:fld>
             <a:endParaRPr lang="en-GB"/>
           </a:p>
@@ -2507,7 +2507,7 @@
           <a:p>
             <a:fld id="{712CD3BB-8109-40FC-B009-54E059A88594}" type="datetimeFigureOut">
               <a:rPr lang="en-GB" smtClean="0"/>
-              <a:t>11/06/2014</a:t>
+              <a:t>01/09/2014</a:t>
             </a:fld>
             <a:endParaRPr lang="en-GB"/>
           </a:p>
@@ -2720,7 +2720,7 @@
           <a:p>
             <a:fld id="{712CD3BB-8109-40FC-B009-54E059A88594}" type="datetimeFigureOut">
               <a:rPr lang="en-GB" smtClean="0"/>
-              <a:t>11/06/2014</a:t>
+              <a:t>01/09/2014</a:t>
             </a:fld>
             <a:endParaRPr lang="en-GB"/>
           </a:p>
@@ -3104,9 +3104,9 @@
         <p:grpSpPr>
           <a:xfrm>
             <a:off x="15032" y="-95879"/>
-            <a:ext cx="7711641" cy="2515509"/>
+            <a:ext cx="7711641" cy="2515508"/>
             <a:chOff x="574600" y="340857"/>
-            <a:chExt cx="7711641" cy="2515509"/>
+            <a:chExt cx="7711641" cy="2515508"/>
           </a:xfrm>
         </p:grpSpPr>
         <p:grpSp>
@@ -3118,9 +3118,9 @@
           <p:grpSpPr>
             <a:xfrm>
               <a:off x="574600" y="340857"/>
-              <a:ext cx="7711641" cy="2515509"/>
+              <a:ext cx="7711641" cy="2515508"/>
               <a:chOff x="964813" y="552146"/>
-              <a:chExt cx="7711641" cy="2515509"/>
+              <a:chExt cx="7711641" cy="2515508"/>
             </a:xfrm>
           </p:grpSpPr>
           <p:grpSp>
@@ -3133,10 +3133,10 @@
             </p:nvGrpSpPr>
             <p:grpSpPr>
               <a:xfrm>
-                <a:off x="964813" y="764703"/>
-                <a:ext cx="7711641" cy="2302952"/>
+                <a:off x="964813" y="764702"/>
+                <a:ext cx="7711641" cy="2302950"/>
                 <a:chOff x="15890690" y="10272119"/>
-                <a:chExt cx="8446477" cy="2522402"/>
+                <a:chExt cx="8446477" cy="2522400"/>
               </a:xfrm>
             </p:grpSpPr>
             <p:sp>
@@ -3147,7 +3147,7 @@
               </p:nvSpPr>
               <p:spPr>
                 <a:xfrm>
-                  <a:off x="15890690" y="11772500"/>
+                  <a:off x="15890690" y="11772498"/>
                   <a:ext cx="8446477" cy="1022021"/>
                 </a:xfrm>
                 <a:prstGeom prst="rect">
@@ -5741,124 +5741,8 @@
             </p:nvSpPr>
             <p:spPr>
               <a:xfrm>
-                <a:off x="6418053" y="923026"/>
+                <a:off x="6418053" y="907124"/>
                 <a:ext cx="1319841" cy="1216325"/>
-              </a:xfrm>
-              <a:custGeom>
-                <a:avLst/>
-                <a:gdLst>
-                  <a:gd name="connsiteX0" fmla="*/ 0 w 1319841"/>
-                  <a:gd name="connsiteY0" fmla="*/ 0 h 1216325"/>
-                  <a:gd name="connsiteX1" fmla="*/ 319177 w 1319841"/>
-                  <a:gd name="connsiteY1" fmla="*/ 491706 h 1216325"/>
-                  <a:gd name="connsiteX2" fmla="*/ 664234 w 1319841"/>
-                  <a:gd name="connsiteY2" fmla="*/ 897148 h 1216325"/>
-                  <a:gd name="connsiteX3" fmla="*/ 983411 w 1319841"/>
-                  <a:gd name="connsiteY3" fmla="*/ 1112808 h 1216325"/>
-                  <a:gd name="connsiteX4" fmla="*/ 1319841 w 1319841"/>
-                  <a:gd name="connsiteY4" fmla="*/ 1216325 h 1216325"/>
-                  <a:gd name="connsiteX0" fmla="*/ 0 w 1319841"/>
-                  <a:gd name="connsiteY0" fmla="*/ 0 h 1216325"/>
-                  <a:gd name="connsiteX1" fmla="*/ 319177 w 1319841"/>
-                  <a:gd name="connsiteY1" fmla="*/ 491706 h 1216325"/>
-                  <a:gd name="connsiteX2" fmla="*/ 616563 w 1319841"/>
-                  <a:gd name="connsiteY2" fmla="*/ 836477 h 1216325"/>
-                  <a:gd name="connsiteX3" fmla="*/ 983411 w 1319841"/>
-                  <a:gd name="connsiteY3" fmla="*/ 1112808 h 1216325"/>
-                  <a:gd name="connsiteX4" fmla="*/ 1319841 w 1319841"/>
-                  <a:gd name="connsiteY4" fmla="*/ 1216325 h 1216325"/>
-                </a:gdLst>
-                <a:ahLst/>
-                <a:cxnLst>
-                  <a:cxn ang="0">
-                    <a:pos x="connsiteX0" y="connsiteY0"/>
-                  </a:cxn>
-                  <a:cxn ang="0">
-                    <a:pos x="connsiteX1" y="connsiteY1"/>
-                  </a:cxn>
-                  <a:cxn ang="0">
-                    <a:pos x="connsiteX2" y="connsiteY2"/>
-                  </a:cxn>
-                  <a:cxn ang="0">
-                    <a:pos x="connsiteX3" y="connsiteY3"/>
-                  </a:cxn>
-                  <a:cxn ang="0">
-                    <a:pos x="connsiteX4" y="connsiteY4"/>
-                  </a:cxn>
-                </a:cxnLst>
-                <a:rect l="l" t="t" r="r" b="b"/>
-                <a:pathLst>
-                  <a:path w="1319841" h="1216325">
-                    <a:moveTo>
-                      <a:pt x="0" y="0"/>
-                    </a:moveTo>
-                    <a:cubicBezTo>
-                      <a:pt x="104235" y="171090"/>
-                      <a:pt x="216417" y="352293"/>
-                      <a:pt x="319177" y="491706"/>
-                    </a:cubicBezTo>
-                    <a:cubicBezTo>
-                      <a:pt x="421938" y="631119"/>
-                      <a:pt x="505857" y="732960"/>
-                      <a:pt x="616563" y="836477"/>
-                    </a:cubicBezTo>
-                    <a:cubicBezTo>
-                      <a:pt x="727269" y="939994"/>
-                      <a:pt x="866198" y="1049500"/>
-                      <a:pt x="983411" y="1112808"/>
-                    </a:cubicBezTo>
-                    <a:cubicBezTo>
-                      <a:pt x="1100624" y="1176116"/>
-                      <a:pt x="1206260" y="1191164"/>
-                      <a:pt x="1319841" y="1216325"/>
-                    </a:cubicBezTo>
-                  </a:path>
-                </a:pathLst>
-              </a:custGeom>
-              <a:noFill/>
-              <a:ln>
-                <a:solidFill>
-                  <a:srgbClr val="C00000"/>
-                </a:solidFill>
-              </a:ln>
-            </p:spPr>
-            <p:style>
-              <a:lnRef idx="2">
-                <a:schemeClr val="accent1">
-                  <a:shade val="50000"/>
-                </a:schemeClr>
-              </a:lnRef>
-              <a:fillRef idx="1">
-                <a:schemeClr val="accent1"/>
-              </a:fillRef>
-              <a:effectRef idx="0">
-                <a:schemeClr val="accent1"/>
-              </a:effectRef>
-              <a:fontRef idx="minor">
-                <a:schemeClr val="lt1"/>
-              </a:fontRef>
-            </p:style>
-            <p:txBody>
-              <a:bodyPr rtlCol="0" anchor="ctr"/>
-              <a:lstStyle/>
-              <a:p>
-                <a:pPr algn="ctr"/>
-                <a:endParaRPr lang="en-GB"/>
-              </a:p>
-            </p:txBody>
-          </p:sp>
-          <p:sp>
-            <p:nvSpPr>
-              <p:cNvPr id="80" name="Freeform 79"/>
-              <p:cNvSpPr>
-                <a:spLocks/>
-              </p:cNvSpPr>
-              <p:nvPr/>
-            </p:nvSpPr>
-            <p:spPr>
-              <a:xfrm flipV="1">
-                <a:off x="6415764" y="2135903"/>
-                <a:ext cx="1319841" cy="608163"/>
               </a:xfrm>
               <a:custGeom>
                 <a:avLst/>
@@ -6027,6 +5911,314 @@
           </p:txBody>
         </p:sp>
       </p:grpSp>
+      <p:sp>
+        <p:nvSpPr>
+          <p:cNvPr id="2" name="TextBox 1"/>
+          <p:cNvSpPr txBox="1"/>
+          <p:nvPr/>
+        </p:nvSpPr>
+        <p:spPr>
+          <a:xfrm>
+            <a:off x="341933" y="1014272"/>
+            <a:ext cx="576064" cy="477054"/>
+          </a:xfrm>
+          <a:prstGeom prst="rect">
+            <a:avLst/>
+          </a:prstGeom>
+          <a:noFill/>
+        </p:spPr>
+        <p:txBody>
+          <a:bodyPr wrap="square" rtlCol="0">
+            <a:spAutoFit/>
+          </a:bodyPr>
+          <a:lstStyle/>
+          <a:p>
+            <a:r>
+              <a:rPr lang="el-GR" sz="2500" dirty="0" smtClean="0"/>
+              <a:t>ε</a:t>
+            </a:r>
+            <a:r>
+              <a:rPr lang="en-GB" sz="2500" baseline="-25000" dirty="0" smtClean="0"/>
+              <a:t>d</a:t>
+            </a:r>
+            <a:endParaRPr lang="en-GB" sz="2500" baseline="-25000" dirty="0"/>
+          </a:p>
+        </p:txBody>
+      </p:sp>
+      <p:sp>
+        <p:nvSpPr>
+          <p:cNvPr id="60" name="TextBox 59"/>
+          <p:cNvSpPr txBox="1"/>
+          <p:nvPr/>
+        </p:nvSpPr>
+        <p:spPr>
+          <a:xfrm>
+            <a:off x="341933" y="1330900"/>
+            <a:ext cx="576064" cy="477054"/>
+          </a:xfrm>
+          <a:prstGeom prst="rect">
+            <a:avLst/>
+          </a:prstGeom>
+          <a:noFill/>
+        </p:spPr>
+        <p:txBody>
+          <a:bodyPr wrap="square" rtlCol="0">
+            <a:spAutoFit/>
+          </a:bodyPr>
+          <a:lstStyle/>
+          <a:p>
+            <a:r>
+              <a:rPr lang="el-GR" sz="2500" dirty="0" smtClean="0"/>
+              <a:t>ε</a:t>
+            </a:r>
+            <a:r>
+              <a:rPr lang="en-GB" sz="2500" baseline="-25000" dirty="0"/>
+              <a:t>m</a:t>
+            </a:r>
+            <a:endParaRPr lang="en-GB" sz="2500" baseline="-25000" dirty="0"/>
+          </a:p>
+        </p:txBody>
+      </p:sp>
+      <p:sp>
+        <p:nvSpPr>
+          <p:cNvPr id="61" name="Freeform 60"/>
+          <p:cNvSpPr>
+            <a:spLocks noChangeAspect="1"/>
+          </p:cNvSpPr>
+          <p:nvPr/>
+        </p:nvSpPr>
+        <p:spPr>
+          <a:xfrm flipV="1">
+            <a:off x="5468275" y="1478284"/>
+            <a:ext cx="1322140" cy="614525"/>
+          </a:xfrm>
+          <a:custGeom>
+            <a:avLst/>
+            <a:gdLst>
+              <a:gd name="connsiteX0" fmla="*/ 0 w 1319841"/>
+              <a:gd name="connsiteY0" fmla="*/ 0 h 1216325"/>
+              <a:gd name="connsiteX1" fmla="*/ 319177 w 1319841"/>
+              <a:gd name="connsiteY1" fmla="*/ 491706 h 1216325"/>
+              <a:gd name="connsiteX2" fmla="*/ 664234 w 1319841"/>
+              <a:gd name="connsiteY2" fmla="*/ 897148 h 1216325"/>
+              <a:gd name="connsiteX3" fmla="*/ 983411 w 1319841"/>
+              <a:gd name="connsiteY3" fmla="*/ 1112808 h 1216325"/>
+              <a:gd name="connsiteX4" fmla="*/ 1319841 w 1319841"/>
+              <a:gd name="connsiteY4" fmla="*/ 1216325 h 1216325"/>
+              <a:gd name="connsiteX0" fmla="*/ 0 w 1319841"/>
+              <a:gd name="connsiteY0" fmla="*/ 0 h 1216325"/>
+              <a:gd name="connsiteX1" fmla="*/ 319177 w 1319841"/>
+              <a:gd name="connsiteY1" fmla="*/ 491706 h 1216325"/>
+              <a:gd name="connsiteX2" fmla="*/ 616563 w 1319841"/>
+              <a:gd name="connsiteY2" fmla="*/ 836477 h 1216325"/>
+              <a:gd name="connsiteX3" fmla="*/ 983411 w 1319841"/>
+              <a:gd name="connsiteY3" fmla="*/ 1112808 h 1216325"/>
+              <a:gd name="connsiteX4" fmla="*/ 1319841 w 1319841"/>
+              <a:gd name="connsiteY4" fmla="*/ 1216325 h 1216325"/>
+              <a:gd name="connsiteX0" fmla="*/ 0 w 1346101"/>
+              <a:gd name="connsiteY0" fmla="*/ 0 h 1243635"/>
+              <a:gd name="connsiteX1" fmla="*/ 319177 w 1346101"/>
+              <a:gd name="connsiteY1" fmla="*/ 491706 h 1243635"/>
+              <a:gd name="connsiteX2" fmla="*/ 616563 w 1346101"/>
+              <a:gd name="connsiteY2" fmla="*/ 836477 h 1243635"/>
+              <a:gd name="connsiteX3" fmla="*/ 983411 w 1346101"/>
+              <a:gd name="connsiteY3" fmla="*/ 1112808 h 1243635"/>
+              <a:gd name="connsiteX4" fmla="*/ 1319841 w 1346101"/>
+              <a:gd name="connsiteY4" fmla="*/ 1216325 h 1243635"/>
+              <a:gd name="connsiteX5" fmla="*/ 1324367 w 1346101"/>
+              <a:gd name="connsiteY5" fmla="*/ 1243635 h 1243635"/>
+              <a:gd name="connsiteX0" fmla="*/ 0 w 1753739"/>
+              <a:gd name="connsiteY0" fmla="*/ 0 h 1228181"/>
+              <a:gd name="connsiteX1" fmla="*/ 319177 w 1753739"/>
+              <a:gd name="connsiteY1" fmla="*/ 491706 h 1228181"/>
+              <a:gd name="connsiteX2" fmla="*/ 616563 w 1753739"/>
+              <a:gd name="connsiteY2" fmla="*/ 836477 h 1228181"/>
+              <a:gd name="connsiteX3" fmla="*/ 983411 w 1753739"/>
+              <a:gd name="connsiteY3" fmla="*/ 1112808 h 1228181"/>
+              <a:gd name="connsiteX4" fmla="*/ 1319841 w 1753739"/>
+              <a:gd name="connsiteY4" fmla="*/ 1216325 h 1228181"/>
+              <a:gd name="connsiteX5" fmla="*/ 1753739 w 1753739"/>
+              <a:gd name="connsiteY5" fmla="*/ 1227733 h 1228181"/>
+              <a:gd name="connsiteX0" fmla="*/ 0 w 1778029"/>
+              <a:gd name="connsiteY0" fmla="*/ 0 h 1228183"/>
+              <a:gd name="connsiteX1" fmla="*/ 319177 w 1778029"/>
+              <a:gd name="connsiteY1" fmla="*/ 491706 h 1228183"/>
+              <a:gd name="connsiteX2" fmla="*/ 616563 w 1778029"/>
+              <a:gd name="connsiteY2" fmla="*/ 836477 h 1228183"/>
+              <a:gd name="connsiteX3" fmla="*/ 983411 w 1778029"/>
+              <a:gd name="connsiteY3" fmla="*/ 1112808 h 1228183"/>
+              <a:gd name="connsiteX4" fmla="*/ 1319841 w 1778029"/>
+              <a:gd name="connsiteY4" fmla="*/ 1216325 h 1228183"/>
+              <a:gd name="connsiteX5" fmla="*/ 1753739 w 1778029"/>
+              <a:gd name="connsiteY5" fmla="*/ 1227733 h 1228183"/>
+              <a:gd name="connsiteX6" fmla="*/ 1721929 w 1778029"/>
+              <a:gd name="connsiteY6" fmla="*/ 1211829 h 1228183"/>
+              <a:gd name="connsiteX0" fmla="*/ 0 w 2278591"/>
+              <a:gd name="connsiteY0" fmla="*/ 0 h 1229051"/>
+              <a:gd name="connsiteX1" fmla="*/ 319177 w 2278591"/>
+              <a:gd name="connsiteY1" fmla="*/ 491706 h 1229051"/>
+              <a:gd name="connsiteX2" fmla="*/ 616563 w 2278591"/>
+              <a:gd name="connsiteY2" fmla="*/ 836477 h 1229051"/>
+              <a:gd name="connsiteX3" fmla="*/ 983411 w 2278591"/>
+              <a:gd name="connsiteY3" fmla="*/ 1112808 h 1229051"/>
+              <a:gd name="connsiteX4" fmla="*/ 1319841 w 2278591"/>
+              <a:gd name="connsiteY4" fmla="*/ 1216325 h 1229051"/>
+              <a:gd name="connsiteX5" fmla="*/ 1753739 w 2278591"/>
+              <a:gd name="connsiteY5" fmla="*/ 1227733 h 1229051"/>
+              <a:gd name="connsiteX6" fmla="*/ 2278521 w 2278591"/>
+              <a:gd name="connsiteY6" fmla="*/ 1227731 h 1229051"/>
+              <a:gd name="connsiteX0" fmla="*/ 0 w 2317393"/>
+              <a:gd name="connsiteY0" fmla="*/ 0 h 1229049"/>
+              <a:gd name="connsiteX1" fmla="*/ 319177 w 2317393"/>
+              <a:gd name="connsiteY1" fmla="*/ 491706 h 1229049"/>
+              <a:gd name="connsiteX2" fmla="*/ 616563 w 2317393"/>
+              <a:gd name="connsiteY2" fmla="*/ 836477 h 1229049"/>
+              <a:gd name="connsiteX3" fmla="*/ 983411 w 2317393"/>
+              <a:gd name="connsiteY3" fmla="*/ 1112808 h 1229049"/>
+              <a:gd name="connsiteX4" fmla="*/ 1319841 w 2317393"/>
+              <a:gd name="connsiteY4" fmla="*/ 1216325 h 1229049"/>
+              <a:gd name="connsiteX5" fmla="*/ 1753739 w 2317393"/>
+              <a:gd name="connsiteY5" fmla="*/ 1227733 h 1229049"/>
+              <a:gd name="connsiteX6" fmla="*/ 2278521 w 2317393"/>
+              <a:gd name="connsiteY6" fmla="*/ 1227731 h 1229049"/>
+              <a:gd name="connsiteX7" fmla="*/ 2278519 w 2317393"/>
+              <a:gd name="connsiteY7" fmla="*/ 1211829 h 1229049"/>
+              <a:gd name="connsiteX0" fmla="*/ 0 w 2612473"/>
+              <a:gd name="connsiteY0" fmla="*/ 0 h 1229051"/>
+              <a:gd name="connsiteX1" fmla="*/ 319177 w 2612473"/>
+              <a:gd name="connsiteY1" fmla="*/ 491706 h 1229051"/>
+              <a:gd name="connsiteX2" fmla="*/ 616563 w 2612473"/>
+              <a:gd name="connsiteY2" fmla="*/ 836477 h 1229051"/>
+              <a:gd name="connsiteX3" fmla="*/ 983411 w 2612473"/>
+              <a:gd name="connsiteY3" fmla="*/ 1112808 h 1229051"/>
+              <a:gd name="connsiteX4" fmla="*/ 1319841 w 2612473"/>
+              <a:gd name="connsiteY4" fmla="*/ 1216325 h 1229051"/>
+              <a:gd name="connsiteX5" fmla="*/ 1753739 w 2612473"/>
+              <a:gd name="connsiteY5" fmla="*/ 1227733 h 1229051"/>
+              <a:gd name="connsiteX6" fmla="*/ 2278521 w 2612473"/>
+              <a:gd name="connsiteY6" fmla="*/ 1227731 h 1229051"/>
+              <a:gd name="connsiteX7" fmla="*/ 2612473 w 2612473"/>
+              <a:gd name="connsiteY7" fmla="*/ 1211829 h 1229051"/>
+              <a:gd name="connsiteX0" fmla="*/ 0 w 2644279"/>
+              <a:gd name="connsiteY0" fmla="*/ 0 h 1229049"/>
+              <a:gd name="connsiteX1" fmla="*/ 319177 w 2644279"/>
+              <a:gd name="connsiteY1" fmla="*/ 491706 h 1229049"/>
+              <a:gd name="connsiteX2" fmla="*/ 616563 w 2644279"/>
+              <a:gd name="connsiteY2" fmla="*/ 836477 h 1229049"/>
+              <a:gd name="connsiteX3" fmla="*/ 983411 w 2644279"/>
+              <a:gd name="connsiteY3" fmla="*/ 1112808 h 1229049"/>
+              <a:gd name="connsiteX4" fmla="*/ 1319841 w 2644279"/>
+              <a:gd name="connsiteY4" fmla="*/ 1216325 h 1229049"/>
+              <a:gd name="connsiteX5" fmla="*/ 1753739 w 2644279"/>
+              <a:gd name="connsiteY5" fmla="*/ 1227733 h 1229049"/>
+              <a:gd name="connsiteX6" fmla="*/ 2278521 w 2644279"/>
+              <a:gd name="connsiteY6" fmla="*/ 1227731 h 1229049"/>
+              <a:gd name="connsiteX7" fmla="*/ 2644279 w 2644279"/>
+              <a:gd name="connsiteY7" fmla="*/ 1211829 h 1229049"/>
+            </a:gdLst>
+            <a:ahLst/>
+            <a:cxnLst>
+              <a:cxn ang="0">
+                <a:pos x="connsiteX0" y="connsiteY0"/>
+              </a:cxn>
+              <a:cxn ang="0">
+                <a:pos x="connsiteX1" y="connsiteY1"/>
+              </a:cxn>
+              <a:cxn ang="0">
+                <a:pos x="connsiteX2" y="connsiteY2"/>
+              </a:cxn>
+              <a:cxn ang="0">
+                <a:pos x="connsiteX3" y="connsiteY3"/>
+              </a:cxn>
+              <a:cxn ang="0">
+                <a:pos x="connsiteX4" y="connsiteY4"/>
+              </a:cxn>
+              <a:cxn ang="0">
+                <a:pos x="connsiteX5" y="connsiteY5"/>
+              </a:cxn>
+              <a:cxn ang="0">
+                <a:pos x="connsiteX6" y="connsiteY6"/>
+              </a:cxn>
+              <a:cxn ang="0">
+                <a:pos x="connsiteX7" y="connsiteY7"/>
+              </a:cxn>
+            </a:cxnLst>
+            <a:rect l="l" t="t" r="r" b="b"/>
+            <a:pathLst>
+              <a:path w="2644279" h="1229049">
+                <a:moveTo>
+                  <a:pt x="0" y="0"/>
+                </a:moveTo>
+                <a:cubicBezTo>
+                  <a:pt x="104235" y="171090"/>
+                  <a:pt x="216417" y="352293"/>
+                  <a:pt x="319177" y="491706"/>
+                </a:cubicBezTo>
+                <a:cubicBezTo>
+                  <a:pt x="421938" y="631119"/>
+                  <a:pt x="505857" y="732960"/>
+                  <a:pt x="616563" y="836477"/>
+                </a:cubicBezTo>
+                <a:cubicBezTo>
+                  <a:pt x="727269" y="939994"/>
+                  <a:pt x="866198" y="1049500"/>
+                  <a:pt x="983411" y="1112808"/>
+                </a:cubicBezTo>
+                <a:cubicBezTo>
+                  <a:pt x="1100624" y="1176116"/>
+                  <a:pt x="1206260" y="1191164"/>
+                  <a:pt x="1319841" y="1216325"/>
+                </a:cubicBezTo>
+                <a:cubicBezTo>
+                  <a:pt x="1376667" y="1238129"/>
+                  <a:pt x="1752796" y="1222044"/>
+                  <a:pt x="1753739" y="1227733"/>
+                </a:cubicBezTo>
+                <a:cubicBezTo>
+                  <a:pt x="1820754" y="1226984"/>
+                  <a:pt x="2285148" y="1231044"/>
+                  <a:pt x="2278521" y="1227731"/>
+                </a:cubicBezTo>
+                <a:cubicBezTo>
+                  <a:pt x="2365984" y="1225080"/>
+                  <a:pt x="2644280" y="1215142"/>
+                  <a:pt x="2644279" y="1211829"/>
+                </a:cubicBezTo>
+              </a:path>
+            </a:pathLst>
+          </a:custGeom>
+          <a:noFill/>
+          <a:ln>
+            <a:solidFill>
+              <a:srgbClr val="C00000"/>
+            </a:solidFill>
+          </a:ln>
+        </p:spPr>
+        <p:style>
+          <a:lnRef idx="2">
+            <a:schemeClr val="accent1">
+              <a:shade val="50000"/>
+            </a:schemeClr>
+          </a:lnRef>
+          <a:fillRef idx="1">
+            <a:schemeClr val="accent1"/>
+          </a:fillRef>
+          <a:effectRef idx="0">
+            <a:schemeClr val="accent1"/>
+          </a:effectRef>
+          <a:fontRef idx="minor">
+            <a:schemeClr val="lt1"/>
+          </a:fontRef>
+        </p:style>
+        <p:txBody>
+          <a:bodyPr rtlCol="0" anchor="ctr"/>
+          <a:lstStyle/>
+          <a:p>
+            <a:pPr algn="ctr"/>
+            <a:endParaRPr lang="en-GB"/>
+          </a:p>
+        </p:txBody>
+      </p:sp>
     </p:spTree>
     <p:extLst>
       <p:ext uri="{BB962C8B-B14F-4D97-AF65-F5344CB8AC3E}">

--- a/Chapter3/Figures/Fig1.pptx
+++ b/Chapter3/Figures/Fig1.pptx
@@ -288,7 +288,7 @@
           <a:p>
             <a:fld id="{712CD3BB-8109-40FC-B009-54E059A88594}" type="datetimeFigureOut">
               <a:rPr lang="en-GB" smtClean="0"/>
-              <a:t>01/09/2014</a:t>
+              <a:t>27/09/2014</a:t>
             </a:fld>
             <a:endParaRPr lang="en-GB"/>
           </a:p>
@@ -458,7 +458,7 @@
           <a:p>
             <a:fld id="{712CD3BB-8109-40FC-B009-54E059A88594}" type="datetimeFigureOut">
               <a:rPr lang="en-GB" smtClean="0"/>
-              <a:t>01/09/2014</a:t>
+              <a:t>27/09/2014</a:t>
             </a:fld>
             <a:endParaRPr lang="en-GB"/>
           </a:p>
@@ -638,7 +638,7 @@
           <a:p>
             <a:fld id="{712CD3BB-8109-40FC-B009-54E059A88594}" type="datetimeFigureOut">
               <a:rPr lang="en-GB" smtClean="0"/>
-              <a:t>01/09/2014</a:t>
+              <a:t>27/09/2014</a:t>
             </a:fld>
             <a:endParaRPr lang="en-GB"/>
           </a:p>
@@ -808,7 +808,7 @@
           <a:p>
             <a:fld id="{712CD3BB-8109-40FC-B009-54E059A88594}" type="datetimeFigureOut">
               <a:rPr lang="en-GB" smtClean="0"/>
-              <a:t>01/09/2014</a:t>
+              <a:t>27/09/2014</a:t>
             </a:fld>
             <a:endParaRPr lang="en-GB"/>
           </a:p>
@@ -1054,7 +1054,7 @@
           <a:p>
             <a:fld id="{712CD3BB-8109-40FC-B009-54E059A88594}" type="datetimeFigureOut">
               <a:rPr lang="en-GB" smtClean="0"/>
-              <a:t>01/09/2014</a:t>
+              <a:t>27/09/2014</a:t>
             </a:fld>
             <a:endParaRPr lang="en-GB"/>
           </a:p>
@@ -1342,7 +1342,7 @@
           <a:p>
             <a:fld id="{712CD3BB-8109-40FC-B009-54E059A88594}" type="datetimeFigureOut">
               <a:rPr lang="en-GB" smtClean="0"/>
-              <a:t>01/09/2014</a:t>
+              <a:t>27/09/2014</a:t>
             </a:fld>
             <a:endParaRPr lang="en-GB"/>
           </a:p>
@@ -1764,7 +1764,7 @@
           <a:p>
             <a:fld id="{712CD3BB-8109-40FC-B009-54E059A88594}" type="datetimeFigureOut">
               <a:rPr lang="en-GB" smtClean="0"/>
-              <a:t>01/09/2014</a:t>
+              <a:t>27/09/2014</a:t>
             </a:fld>
             <a:endParaRPr lang="en-GB"/>
           </a:p>
@@ -1882,7 +1882,7 @@
           <a:p>
             <a:fld id="{712CD3BB-8109-40FC-B009-54E059A88594}" type="datetimeFigureOut">
               <a:rPr lang="en-GB" smtClean="0"/>
-              <a:t>01/09/2014</a:t>
+              <a:t>27/09/2014</a:t>
             </a:fld>
             <a:endParaRPr lang="en-GB"/>
           </a:p>
@@ -1977,7 +1977,7 @@
           <a:p>
             <a:fld id="{712CD3BB-8109-40FC-B009-54E059A88594}" type="datetimeFigureOut">
               <a:rPr lang="en-GB" smtClean="0"/>
-              <a:t>01/09/2014</a:t>
+              <a:t>27/09/2014</a:t>
             </a:fld>
             <a:endParaRPr lang="en-GB"/>
           </a:p>
@@ -2254,7 +2254,7 @@
           <a:p>
             <a:fld id="{712CD3BB-8109-40FC-B009-54E059A88594}" type="datetimeFigureOut">
               <a:rPr lang="en-GB" smtClean="0"/>
-              <a:t>01/09/2014</a:t>
+              <a:t>27/09/2014</a:t>
             </a:fld>
             <a:endParaRPr lang="en-GB"/>
           </a:p>
@@ -2507,7 +2507,7 @@
           <a:p>
             <a:fld id="{712CD3BB-8109-40FC-B009-54E059A88594}" type="datetimeFigureOut">
               <a:rPr lang="en-GB" smtClean="0"/>
-              <a:t>01/09/2014</a:t>
+              <a:t>27/09/2014</a:t>
             </a:fld>
             <a:endParaRPr lang="en-GB"/>
           </a:p>
@@ -2720,7 +2720,7 @@
           <a:p>
             <a:fld id="{712CD3BB-8109-40FC-B009-54E059A88594}" type="datetimeFigureOut">
               <a:rPr lang="en-GB" smtClean="0"/>
-              <a:t>01/09/2014</a:t>
+              <a:t>27/09/2014</a:t>
             </a:fld>
             <a:endParaRPr lang="en-GB"/>
           </a:p>
@@ -5975,7 +5975,6 @@
               <a:rPr lang="en-GB" sz="2500" baseline="-25000" dirty="0"/>
               <a:t>m</a:t>
             </a:r>
-            <a:endParaRPr lang="en-GB" sz="2500" baseline="-25000" dirty="0"/>
           </a:p>
         </p:txBody>
       </p:sp>
@@ -5989,8 +5988,8 @@
         </p:nvSpPr>
         <p:spPr>
           <a:xfrm flipV="1">
-            <a:off x="5468275" y="1478284"/>
-            <a:ext cx="1322140" cy="614525"/>
+            <a:off x="5468275" y="1485882"/>
+            <a:ext cx="1322140" cy="606927"/>
           </a:xfrm>
           <a:custGeom>
             <a:avLst/>
@@ -6115,6 +6114,310 @@
               <a:gd name="connsiteY6" fmla="*/ 1227731 h 1229049"/>
               <a:gd name="connsiteX7" fmla="*/ 2644279 w 2644279"/>
               <a:gd name="connsiteY7" fmla="*/ 1211829 h 1229049"/>
+              <a:gd name="connsiteX0" fmla="*/ 0 w 2644279"/>
+              <a:gd name="connsiteY0" fmla="*/ 0 h 1229051"/>
+              <a:gd name="connsiteX1" fmla="*/ 319177 w 2644279"/>
+              <a:gd name="connsiteY1" fmla="*/ 491706 h 1229051"/>
+              <a:gd name="connsiteX2" fmla="*/ 616563 w 2644279"/>
+              <a:gd name="connsiteY2" fmla="*/ 836477 h 1229051"/>
+              <a:gd name="connsiteX3" fmla="*/ 983411 w 2644279"/>
+              <a:gd name="connsiteY3" fmla="*/ 1112808 h 1229051"/>
+              <a:gd name="connsiteX4" fmla="*/ 1319841 w 2644279"/>
+              <a:gd name="connsiteY4" fmla="*/ 1216325 h 1229051"/>
+              <a:gd name="connsiteX5" fmla="*/ 1753739 w 2644279"/>
+              <a:gd name="connsiteY5" fmla="*/ 1227733 h 1229051"/>
+              <a:gd name="connsiteX6" fmla="*/ 2278521 w 2644279"/>
+              <a:gd name="connsiteY6" fmla="*/ 1227731 h 1229051"/>
+              <a:gd name="connsiteX7" fmla="*/ 2644279 w 2644279"/>
+              <a:gd name="connsiteY7" fmla="*/ 1211829 h 1229051"/>
+              <a:gd name="connsiteX0" fmla="*/ 0 w 2644279"/>
+              <a:gd name="connsiteY0" fmla="*/ 0 h 1228759"/>
+              <a:gd name="connsiteX1" fmla="*/ 319177 w 2644279"/>
+              <a:gd name="connsiteY1" fmla="*/ 491706 h 1228759"/>
+              <a:gd name="connsiteX2" fmla="*/ 616563 w 2644279"/>
+              <a:gd name="connsiteY2" fmla="*/ 836477 h 1228759"/>
+              <a:gd name="connsiteX3" fmla="*/ 983411 w 2644279"/>
+              <a:gd name="connsiteY3" fmla="*/ 1112808 h 1228759"/>
+              <a:gd name="connsiteX4" fmla="*/ 1319841 w 2644279"/>
+              <a:gd name="connsiteY4" fmla="*/ 1216325 h 1228759"/>
+              <a:gd name="connsiteX5" fmla="*/ 1753739 w 2644279"/>
+              <a:gd name="connsiteY5" fmla="*/ 1227733 h 1228759"/>
+              <a:gd name="connsiteX6" fmla="*/ 2278521 w 2644279"/>
+              <a:gd name="connsiteY6" fmla="*/ 1227731 h 1228759"/>
+              <a:gd name="connsiteX7" fmla="*/ 2644279 w 2644279"/>
+              <a:gd name="connsiteY7" fmla="*/ 1211829 h 1228759"/>
+              <a:gd name="connsiteX0" fmla="*/ 0 w 2644279"/>
+              <a:gd name="connsiteY0" fmla="*/ 0 h 1230499"/>
+              <a:gd name="connsiteX1" fmla="*/ 319177 w 2644279"/>
+              <a:gd name="connsiteY1" fmla="*/ 491706 h 1230499"/>
+              <a:gd name="connsiteX2" fmla="*/ 616563 w 2644279"/>
+              <a:gd name="connsiteY2" fmla="*/ 836477 h 1230499"/>
+              <a:gd name="connsiteX3" fmla="*/ 983411 w 2644279"/>
+              <a:gd name="connsiteY3" fmla="*/ 1112808 h 1230499"/>
+              <a:gd name="connsiteX4" fmla="*/ 1319841 w 2644279"/>
+              <a:gd name="connsiteY4" fmla="*/ 1216325 h 1230499"/>
+              <a:gd name="connsiteX5" fmla="*/ 1753739 w 2644279"/>
+              <a:gd name="connsiteY5" fmla="*/ 1227733 h 1230499"/>
+              <a:gd name="connsiteX6" fmla="*/ 2278521 w 2644279"/>
+              <a:gd name="connsiteY6" fmla="*/ 1227731 h 1230499"/>
+              <a:gd name="connsiteX7" fmla="*/ 2644279 w 2644279"/>
+              <a:gd name="connsiteY7" fmla="*/ 1211829 h 1230499"/>
+              <a:gd name="connsiteX0" fmla="*/ 0 w 2644279"/>
+              <a:gd name="connsiteY0" fmla="*/ 0 h 1230499"/>
+              <a:gd name="connsiteX1" fmla="*/ 319177 w 2644279"/>
+              <a:gd name="connsiteY1" fmla="*/ 491706 h 1230499"/>
+              <a:gd name="connsiteX2" fmla="*/ 616563 w 2644279"/>
+              <a:gd name="connsiteY2" fmla="*/ 836477 h 1230499"/>
+              <a:gd name="connsiteX3" fmla="*/ 983411 w 2644279"/>
+              <a:gd name="connsiteY3" fmla="*/ 1112808 h 1230499"/>
+              <a:gd name="connsiteX4" fmla="*/ 1319841 w 2644279"/>
+              <a:gd name="connsiteY4" fmla="*/ 1216325 h 1230499"/>
+              <a:gd name="connsiteX5" fmla="*/ 1753739 w 2644279"/>
+              <a:gd name="connsiteY5" fmla="*/ 1227733 h 1230499"/>
+              <a:gd name="connsiteX6" fmla="*/ 2278521 w 2644279"/>
+              <a:gd name="connsiteY6" fmla="*/ 1211829 h 1230499"/>
+              <a:gd name="connsiteX7" fmla="*/ 2644279 w 2644279"/>
+              <a:gd name="connsiteY7" fmla="*/ 1211829 h 1230499"/>
+              <a:gd name="connsiteX0" fmla="*/ 0 w 2644279"/>
+              <a:gd name="connsiteY0" fmla="*/ 0 h 1230499"/>
+              <a:gd name="connsiteX1" fmla="*/ 319177 w 2644279"/>
+              <a:gd name="connsiteY1" fmla="*/ 491706 h 1230499"/>
+              <a:gd name="connsiteX2" fmla="*/ 616563 w 2644279"/>
+              <a:gd name="connsiteY2" fmla="*/ 836477 h 1230499"/>
+              <a:gd name="connsiteX3" fmla="*/ 983411 w 2644279"/>
+              <a:gd name="connsiteY3" fmla="*/ 1112808 h 1230499"/>
+              <a:gd name="connsiteX4" fmla="*/ 1319841 w 2644279"/>
+              <a:gd name="connsiteY4" fmla="*/ 1216325 h 1230499"/>
+              <a:gd name="connsiteX5" fmla="*/ 1753739 w 2644279"/>
+              <a:gd name="connsiteY5" fmla="*/ 1227733 h 1230499"/>
+              <a:gd name="connsiteX6" fmla="*/ 2278521 w 2644279"/>
+              <a:gd name="connsiteY6" fmla="*/ 1211829 h 1230499"/>
+              <a:gd name="connsiteX7" fmla="*/ 2644279 w 2644279"/>
+              <a:gd name="connsiteY7" fmla="*/ 1211829 h 1230499"/>
+              <a:gd name="connsiteX0" fmla="*/ 0 w 2644279"/>
+              <a:gd name="connsiteY0" fmla="*/ 0 h 1219677"/>
+              <a:gd name="connsiteX1" fmla="*/ 319177 w 2644279"/>
+              <a:gd name="connsiteY1" fmla="*/ 491706 h 1219677"/>
+              <a:gd name="connsiteX2" fmla="*/ 616563 w 2644279"/>
+              <a:gd name="connsiteY2" fmla="*/ 836477 h 1219677"/>
+              <a:gd name="connsiteX3" fmla="*/ 983411 w 2644279"/>
+              <a:gd name="connsiteY3" fmla="*/ 1112808 h 1219677"/>
+              <a:gd name="connsiteX4" fmla="*/ 1319841 w 2644279"/>
+              <a:gd name="connsiteY4" fmla="*/ 1216325 h 1219677"/>
+              <a:gd name="connsiteX5" fmla="*/ 1769641 w 2644279"/>
+              <a:gd name="connsiteY5" fmla="*/ 1195927 h 1219677"/>
+              <a:gd name="connsiteX6" fmla="*/ 2278521 w 2644279"/>
+              <a:gd name="connsiteY6" fmla="*/ 1211829 h 1219677"/>
+              <a:gd name="connsiteX7" fmla="*/ 2644279 w 2644279"/>
+              <a:gd name="connsiteY7" fmla="*/ 1211829 h 1219677"/>
+              <a:gd name="connsiteX0" fmla="*/ 0 w 2644279"/>
+              <a:gd name="connsiteY0" fmla="*/ 0 h 1222783"/>
+              <a:gd name="connsiteX1" fmla="*/ 319177 w 2644279"/>
+              <a:gd name="connsiteY1" fmla="*/ 491706 h 1222783"/>
+              <a:gd name="connsiteX2" fmla="*/ 616563 w 2644279"/>
+              <a:gd name="connsiteY2" fmla="*/ 836477 h 1222783"/>
+              <a:gd name="connsiteX3" fmla="*/ 983411 w 2644279"/>
+              <a:gd name="connsiteY3" fmla="*/ 1112808 h 1222783"/>
+              <a:gd name="connsiteX4" fmla="*/ 1319841 w 2644279"/>
+              <a:gd name="connsiteY4" fmla="*/ 1216325 h 1222783"/>
+              <a:gd name="connsiteX5" fmla="*/ 1769641 w 2644279"/>
+              <a:gd name="connsiteY5" fmla="*/ 1211831 h 1222783"/>
+              <a:gd name="connsiteX6" fmla="*/ 2278521 w 2644279"/>
+              <a:gd name="connsiteY6" fmla="*/ 1211829 h 1222783"/>
+              <a:gd name="connsiteX7" fmla="*/ 2644279 w 2644279"/>
+              <a:gd name="connsiteY7" fmla="*/ 1211829 h 1222783"/>
+              <a:gd name="connsiteX0" fmla="*/ 0 w 2644279"/>
+              <a:gd name="connsiteY0" fmla="*/ 0 h 1226493"/>
+              <a:gd name="connsiteX1" fmla="*/ 319177 w 2644279"/>
+              <a:gd name="connsiteY1" fmla="*/ 491706 h 1226493"/>
+              <a:gd name="connsiteX2" fmla="*/ 616563 w 2644279"/>
+              <a:gd name="connsiteY2" fmla="*/ 836477 h 1226493"/>
+              <a:gd name="connsiteX3" fmla="*/ 983411 w 2644279"/>
+              <a:gd name="connsiteY3" fmla="*/ 1112808 h 1226493"/>
+              <a:gd name="connsiteX4" fmla="*/ 1319841 w 2644279"/>
+              <a:gd name="connsiteY4" fmla="*/ 1216325 h 1226493"/>
+              <a:gd name="connsiteX5" fmla="*/ 1769641 w 2644279"/>
+              <a:gd name="connsiteY5" fmla="*/ 1211831 h 1226493"/>
+              <a:gd name="connsiteX6" fmla="*/ 2278521 w 2644279"/>
+              <a:gd name="connsiteY6" fmla="*/ 1211829 h 1226493"/>
+              <a:gd name="connsiteX7" fmla="*/ 2644279 w 2644279"/>
+              <a:gd name="connsiteY7" fmla="*/ 1211829 h 1226493"/>
+              <a:gd name="connsiteX0" fmla="*/ 0 w 2644279"/>
+              <a:gd name="connsiteY0" fmla="*/ 0 h 1220677"/>
+              <a:gd name="connsiteX1" fmla="*/ 319177 w 2644279"/>
+              <a:gd name="connsiteY1" fmla="*/ 491706 h 1220677"/>
+              <a:gd name="connsiteX2" fmla="*/ 616563 w 2644279"/>
+              <a:gd name="connsiteY2" fmla="*/ 836477 h 1220677"/>
+              <a:gd name="connsiteX3" fmla="*/ 983411 w 2644279"/>
+              <a:gd name="connsiteY3" fmla="*/ 1112808 h 1220677"/>
+              <a:gd name="connsiteX4" fmla="*/ 1319841 w 2644279"/>
+              <a:gd name="connsiteY4" fmla="*/ 1216325 h 1220677"/>
+              <a:gd name="connsiteX5" fmla="*/ 1769641 w 2644279"/>
+              <a:gd name="connsiteY5" fmla="*/ 1211831 h 1220677"/>
+              <a:gd name="connsiteX6" fmla="*/ 2278521 w 2644279"/>
+              <a:gd name="connsiteY6" fmla="*/ 1211829 h 1220677"/>
+              <a:gd name="connsiteX7" fmla="*/ 2644279 w 2644279"/>
+              <a:gd name="connsiteY7" fmla="*/ 1211829 h 1220677"/>
+              <a:gd name="connsiteX0" fmla="*/ 0 w 2644279"/>
+              <a:gd name="connsiteY0" fmla="*/ 0 h 1226493"/>
+              <a:gd name="connsiteX1" fmla="*/ 319177 w 2644279"/>
+              <a:gd name="connsiteY1" fmla="*/ 491706 h 1226493"/>
+              <a:gd name="connsiteX2" fmla="*/ 616563 w 2644279"/>
+              <a:gd name="connsiteY2" fmla="*/ 836477 h 1226493"/>
+              <a:gd name="connsiteX3" fmla="*/ 983411 w 2644279"/>
+              <a:gd name="connsiteY3" fmla="*/ 1112808 h 1226493"/>
+              <a:gd name="connsiteX4" fmla="*/ 1319841 w 2644279"/>
+              <a:gd name="connsiteY4" fmla="*/ 1216325 h 1226493"/>
+              <a:gd name="connsiteX5" fmla="*/ 1769641 w 2644279"/>
+              <a:gd name="connsiteY5" fmla="*/ 1211831 h 1226493"/>
+              <a:gd name="connsiteX6" fmla="*/ 2278521 w 2644279"/>
+              <a:gd name="connsiteY6" fmla="*/ 1211829 h 1226493"/>
+              <a:gd name="connsiteX7" fmla="*/ 2644279 w 2644279"/>
+              <a:gd name="connsiteY7" fmla="*/ 1211829 h 1226493"/>
+              <a:gd name="connsiteX0" fmla="*/ 0 w 2644279"/>
+              <a:gd name="connsiteY0" fmla="*/ 0 h 1220677"/>
+              <a:gd name="connsiteX1" fmla="*/ 319177 w 2644279"/>
+              <a:gd name="connsiteY1" fmla="*/ 491706 h 1220677"/>
+              <a:gd name="connsiteX2" fmla="*/ 616563 w 2644279"/>
+              <a:gd name="connsiteY2" fmla="*/ 836477 h 1220677"/>
+              <a:gd name="connsiteX3" fmla="*/ 983411 w 2644279"/>
+              <a:gd name="connsiteY3" fmla="*/ 1112808 h 1220677"/>
+              <a:gd name="connsiteX4" fmla="*/ 1319841 w 2644279"/>
+              <a:gd name="connsiteY4" fmla="*/ 1216325 h 1220677"/>
+              <a:gd name="connsiteX5" fmla="*/ 1769641 w 2644279"/>
+              <a:gd name="connsiteY5" fmla="*/ 1211831 h 1220677"/>
+              <a:gd name="connsiteX6" fmla="*/ 2278521 w 2644279"/>
+              <a:gd name="connsiteY6" fmla="*/ 1211829 h 1220677"/>
+              <a:gd name="connsiteX7" fmla="*/ 2644279 w 2644279"/>
+              <a:gd name="connsiteY7" fmla="*/ 1211829 h 1220677"/>
+              <a:gd name="connsiteX0" fmla="*/ 0 w 2644279"/>
+              <a:gd name="connsiteY0" fmla="*/ 0 h 1226493"/>
+              <a:gd name="connsiteX1" fmla="*/ 319177 w 2644279"/>
+              <a:gd name="connsiteY1" fmla="*/ 491706 h 1226493"/>
+              <a:gd name="connsiteX2" fmla="*/ 616563 w 2644279"/>
+              <a:gd name="connsiteY2" fmla="*/ 836477 h 1226493"/>
+              <a:gd name="connsiteX3" fmla="*/ 983411 w 2644279"/>
+              <a:gd name="connsiteY3" fmla="*/ 1112808 h 1226493"/>
+              <a:gd name="connsiteX4" fmla="*/ 1319841 w 2644279"/>
+              <a:gd name="connsiteY4" fmla="*/ 1216325 h 1226493"/>
+              <a:gd name="connsiteX5" fmla="*/ 1769641 w 2644279"/>
+              <a:gd name="connsiteY5" fmla="*/ 1211831 h 1226493"/>
+              <a:gd name="connsiteX6" fmla="*/ 2278521 w 2644279"/>
+              <a:gd name="connsiteY6" fmla="*/ 1211829 h 1226493"/>
+              <a:gd name="connsiteX7" fmla="*/ 2644279 w 2644279"/>
+              <a:gd name="connsiteY7" fmla="*/ 1211829 h 1226493"/>
+              <a:gd name="connsiteX0" fmla="*/ 0 w 2644279"/>
+              <a:gd name="connsiteY0" fmla="*/ 0 h 1222651"/>
+              <a:gd name="connsiteX1" fmla="*/ 319177 w 2644279"/>
+              <a:gd name="connsiteY1" fmla="*/ 491706 h 1222651"/>
+              <a:gd name="connsiteX2" fmla="*/ 616563 w 2644279"/>
+              <a:gd name="connsiteY2" fmla="*/ 836477 h 1222651"/>
+              <a:gd name="connsiteX3" fmla="*/ 983411 w 2644279"/>
+              <a:gd name="connsiteY3" fmla="*/ 1112808 h 1222651"/>
+              <a:gd name="connsiteX4" fmla="*/ 1319841 w 2644279"/>
+              <a:gd name="connsiteY4" fmla="*/ 1216325 h 1222651"/>
+              <a:gd name="connsiteX5" fmla="*/ 1769641 w 2644279"/>
+              <a:gd name="connsiteY5" fmla="*/ 1211831 h 1222651"/>
+              <a:gd name="connsiteX6" fmla="*/ 2278521 w 2644279"/>
+              <a:gd name="connsiteY6" fmla="*/ 1211829 h 1222651"/>
+              <a:gd name="connsiteX7" fmla="*/ 2644279 w 2644279"/>
+              <a:gd name="connsiteY7" fmla="*/ 1211829 h 1222651"/>
+              <a:gd name="connsiteX0" fmla="*/ 0 w 2644279"/>
+              <a:gd name="connsiteY0" fmla="*/ 0 h 1213853"/>
+              <a:gd name="connsiteX1" fmla="*/ 319177 w 2644279"/>
+              <a:gd name="connsiteY1" fmla="*/ 491706 h 1213853"/>
+              <a:gd name="connsiteX2" fmla="*/ 616563 w 2644279"/>
+              <a:gd name="connsiteY2" fmla="*/ 836477 h 1213853"/>
+              <a:gd name="connsiteX3" fmla="*/ 983411 w 2644279"/>
+              <a:gd name="connsiteY3" fmla="*/ 1112808 h 1213853"/>
+              <a:gd name="connsiteX4" fmla="*/ 1319842 w 2644279"/>
+              <a:gd name="connsiteY4" fmla="*/ 1184519 h 1213853"/>
+              <a:gd name="connsiteX5" fmla="*/ 1769641 w 2644279"/>
+              <a:gd name="connsiteY5" fmla="*/ 1211831 h 1213853"/>
+              <a:gd name="connsiteX6" fmla="*/ 2278521 w 2644279"/>
+              <a:gd name="connsiteY6" fmla="*/ 1211829 h 1213853"/>
+              <a:gd name="connsiteX7" fmla="*/ 2644279 w 2644279"/>
+              <a:gd name="connsiteY7" fmla="*/ 1211829 h 1213853"/>
+              <a:gd name="connsiteX0" fmla="*/ 0 w 2644279"/>
+              <a:gd name="connsiteY0" fmla="*/ 0 h 1213853"/>
+              <a:gd name="connsiteX1" fmla="*/ 319177 w 2644279"/>
+              <a:gd name="connsiteY1" fmla="*/ 491706 h 1213853"/>
+              <a:gd name="connsiteX2" fmla="*/ 616563 w 2644279"/>
+              <a:gd name="connsiteY2" fmla="*/ 836477 h 1213853"/>
+              <a:gd name="connsiteX3" fmla="*/ 983411 w 2644279"/>
+              <a:gd name="connsiteY3" fmla="*/ 1112808 h 1213853"/>
+              <a:gd name="connsiteX4" fmla="*/ 1319842 w 2644279"/>
+              <a:gd name="connsiteY4" fmla="*/ 1184519 h 1213853"/>
+              <a:gd name="connsiteX5" fmla="*/ 1769641 w 2644279"/>
+              <a:gd name="connsiteY5" fmla="*/ 1211831 h 1213853"/>
+              <a:gd name="connsiteX6" fmla="*/ 2278521 w 2644279"/>
+              <a:gd name="connsiteY6" fmla="*/ 1211829 h 1213853"/>
+              <a:gd name="connsiteX7" fmla="*/ 2644279 w 2644279"/>
+              <a:gd name="connsiteY7" fmla="*/ 1211829 h 1213853"/>
+              <a:gd name="connsiteX0" fmla="*/ 0 w 2644279"/>
+              <a:gd name="connsiteY0" fmla="*/ 0 h 1213853"/>
+              <a:gd name="connsiteX1" fmla="*/ 319177 w 2644279"/>
+              <a:gd name="connsiteY1" fmla="*/ 491706 h 1213853"/>
+              <a:gd name="connsiteX2" fmla="*/ 616563 w 2644279"/>
+              <a:gd name="connsiteY2" fmla="*/ 836477 h 1213853"/>
+              <a:gd name="connsiteX3" fmla="*/ 983411 w 2644279"/>
+              <a:gd name="connsiteY3" fmla="*/ 1112808 h 1213853"/>
+              <a:gd name="connsiteX4" fmla="*/ 1319842 w 2644279"/>
+              <a:gd name="connsiteY4" fmla="*/ 1184519 h 1213853"/>
+              <a:gd name="connsiteX5" fmla="*/ 1769641 w 2644279"/>
+              <a:gd name="connsiteY5" fmla="*/ 1211831 h 1213853"/>
+              <a:gd name="connsiteX6" fmla="*/ 2278521 w 2644279"/>
+              <a:gd name="connsiteY6" fmla="*/ 1211829 h 1213853"/>
+              <a:gd name="connsiteX7" fmla="*/ 2644279 w 2644279"/>
+              <a:gd name="connsiteY7" fmla="*/ 1211829 h 1213853"/>
+              <a:gd name="connsiteX0" fmla="*/ 0 w 2644279"/>
+              <a:gd name="connsiteY0" fmla="*/ 0 h 1213853"/>
+              <a:gd name="connsiteX1" fmla="*/ 319177 w 2644279"/>
+              <a:gd name="connsiteY1" fmla="*/ 491706 h 1213853"/>
+              <a:gd name="connsiteX2" fmla="*/ 616563 w 2644279"/>
+              <a:gd name="connsiteY2" fmla="*/ 836477 h 1213853"/>
+              <a:gd name="connsiteX3" fmla="*/ 983411 w 2644279"/>
+              <a:gd name="connsiteY3" fmla="*/ 1112808 h 1213853"/>
+              <a:gd name="connsiteX4" fmla="*/ 1319842 w 2644279"/>
+              <a:gd name="connsiteY4" fmla="*/ 1184519 h 1213853"/>
+              <a:gd name="connsiteX5" fmla="*/ 1769641 w 2644279"/>
+              <a:gd name="connsiteY5" fmla="*/ 1211831 h 1213853"/>
+              <a:gd name="connsiteX6" fmla="*/ 2278521 w 2644279"/>
+              <a:gd name="connsiteY6" fmla="*/ 1211829 h 1213853"/>
+              <a:gd name="connsiteX7" fmla="*/ 2644279 w 2644279"/>
+              <a:gd name="connsiteY7" fmla="*/ 1211829 h 1213853"/>
+              <a:gd name="connsiteX0" fmla="*/ 0 w 2644279"/>
+              <a:gd name="connsiteY0" fmla="*/ 0 h 1213853"/>
+              <a:gd name="connsiteX1" fmla="*/ 319177 w 2644279"/>
+              <a:gd name="connsiteY1" fmla="*/ 491706 h 1213853"/>
+              <a:gd name="connsiteX2" fmla="*/ 616563 w 2644279"/>
+              <a:gd name="connsiteY2" fmla="*/ 836477 h 1213853"/>
+              <a:gd name="connsiteX3" fmla="*/ 967508 w 2644279"/>
+              <a:gd name="connsiteY3" fmla="*/ 1081001 h 1213853"/>
+              <a:gd name="connsiteX4" fmla="*/ 1319842 w 2644279"/>
+              <a:gd name="connsiteY4" fmla="*/ 1184519 h 1213853"/>
+              <a:gd name="connsiteX5" fmla="*/ 1769641 w 2644279"/>
+              <a:gd name="connsiteY5" fmla="*/ 1211831 h 1213853"/>
+              <a:gd name="connsiteX6" fmla="*/ 2278521 w 2644279"/>
+              <a:gd name="connsiteY6" fmla="*/ 1211829 h 1213853"/>
+              <a:gd name="connsiteX7" fmla="*/ 2644279 w 2644279"/>
+              <a:gd name="connsiteY7" fmla="*/ 1211829 h 1213853"/>
+              <a:gd name="connsiteX0" fmla="*/ 0 w 2644279"/>
+              <a:gd name="connsiteY0" fmla="*/ 0 h 1213853"/>
+              <a:gd name="connsiteX1" fmla="*/ 319177 w 2644279"/>
+              <a:gd name="connsiteY1" fmla="*/ 491706 h 1213853"/>
+              <a:gd name="connsiteX2" fmla="*/ 616563 w 2644279"/>
+              <a:gd name="connsiteY2" fmla="*/ 836477 h 1213853"/>
+              <a:gd name="connsiteX3" fmla="*/ 967508 w 2644279"/>
+              <a:gd name="connsiteY3" fmla="*/ 1081001 h 1213853"/>
+              <a:gd name="connsiteX4" fmla="*/ 1319842 w 2644279"/>
+              <a:gd name="connsiteY4" fmla="*/ 1184519 h 1213853"/>
+              <a:gd name="connsiteX5" fmla="*/ 1769641 w 2644279"/>
+              <a:gd name="connsiteY5" fmla="*/ 1211831 h 1213853"/>
+              <a:gd name="connsiteX6" fmla="*/ 2278521 w 2644279"/>
+              <a:gd name="connsiteY6" fmla="*/ 1211829 h 1213853"/>
+              <a:gd name="connsiteX7" fmla="*/ 2644279 w 2644279"/>
+              <a:gd name="connsiteY7" fmla="*/ 1211829 h 1213853"/>
             </a:gdLst>
             <a:ahLst/>
             <a:cxnLst>
@@ -6145,7 +6448,7 @@
             </a:cxnLst>
             <a:rect l="l" t="t" r="r" b="b"/>
             <a:pathLst>
-              <a:path w="2644279" h="1229049">
+              <a:path w="2644279" h="1213853">
                 <a:moveTo>
                   <a:pt x="0" y="0"/>
                 </a:moveTo>
@@ -6156,34 +6459,32 @@
                 </a:cubicBezTo>
                 <a:cubicBezTo>
                   <a:pt x="421938" y="631119"/>
-                  <a:pt x="505857" y="732960"/>
+                  <a:pt x="508508" y="738261"/>
                   <a:pt x="616563" y="836477"/>
                 </a:cubicBezTo>
                 <a:cubicBezTo>
-                  <a:pt x="727269" y="939994"/>
-                  <a:pt x="866198" y="1049500"/>
-                  <a:pt x="983411" y="1112808"/>
+                  <a:pt x="724618" y="934693"/>
+                  <a:pt x="834392" y="1022993"/>
+                  <a:pt x="967508" y="1081001"/>
                 </a:cubicBezTo>
                 <a:cubicBezTo>
-                  <a:pt x="1100624" y="1176116"/>
-                  <a:pt x="1206260" y="1191164"/>
-                  <a:pt x="1319841" y="1216325"/>
+                  <a:pt x="1100624" y="1139009"/>
+                  <a:pt x="1186153" y="1162714"/>
+                  <a:pt x="1319842" y="1184519"/>
                 </a:cubicBezTo>
                 <a:cubicBezTo>
-                  <a:pt x="1376667" y="1238129"/>
-                  <a:pt x="1752796" y="1222044"/>
-                  <a:pt x="1753739" y="1227733"/>
+                  <a:pt x="1453531" y="1206324"/>
+                  <a:pt x="1609861" y="1207279"/>
+                  <a:pt x="1769641" y="1211831"/>
                 </a:cubicBezTo>
                 <a:cubicBezTo>
-                  <a:pt x="1820754" y="1226984"/>
-                  <a:pt x="2285148" y="1231044"/>
-                  <a:pt x="2278521" y="1227731"/>
+                  <a:pt x="1929421" y="1216383"/>
+                  <a:pt x="2108894" y="1211830"/>
+                  <a:pt x="2278521" y="1211829"/>
                 </a:cubicBezTo>
-                <a:cubicBezTo>
-                  <a:pt x="2365984" y="1225080"/>
-                  <a:pt x="2644280" y="1215142"/>
+                <a:lnTo>
                   <a:pt x="2644279" y="1211829"/>
-                </a:cubicBezTo>
+                </a:lnTo>
               </a:path>
             </a:pathLst>
           </a:custGeom>
